--- a/OfficeAddin/01 Building Add-ins for Microsoft Word/02 Images HTML and Tables in Word Add-ins.pptx
+++ b/OfficeAddin/01 Building Add-ins for Microsoft Word/02 Images HTML and Tables in Word Add-ins.pptx
@@ -265,7 +265,7 @@
               <a:rPr lang="en-US" smtClean="0">
                 <a:latin typeface="Segoe UI" pitchFamily="34" charset="0"/>
               </a:rPr>
-              <a:t>6/8/18 1:45 PM</a:t>
+              <a:t>9/17/18 3:35 PM</a:t>
             </a:fld>
             <a:endParaRPr lang="en-US" dirty="0">
               <a:latin typeface="Segoe UI" pitchFamily="34" charset="0"/>
@@ -559,7 +559,7 @@
           <a:p>
             <a:fld id="{D18B56EA-E28F-4F92-9F16-7A6F2501B303}" type="datetime8">
               <a:rPr lang="en-US" smtClean="0"/>
-              <a:t>6/8/18 1:45 PM</a:t>
+              <a:t>9/17/18 3:35 PM</a:t>
             </a:fld>
             <a:endParaRPr lang="en-US" dirty="0"/>
           </a:p>
@@ -1047,7 +1047,7 @@
                 <a:tabLst/>
                 <a:defRPr/>
               </a:pPr>
-              <a:t>6/8/18 1:45 PM</a:t>
+              <a:t>9/17/18 3:35 PM</a:t>
             </a:fld>
             <a:endParaRPr kumimoji="0" lang="en-US" sz="1200" b="0" i="0" u="none" strike="noStrike" kern="1200" cap="none" spc="0" normalizeH="0" baseline="0" noProof="0" dirty="0">
               <a:ln>
@@ -1300,7 +1300,7 @@
           <a:p>
             <a:fld id="{D18B56EA-E28F-4F92-9F16-7A6F2501B303}" type="datetime8">
               <a:rPr lang="en-US" smtClean="0"/>
-              <a:t>6/8/18 1:45 PM</a:t>
+              <a:t>9/17/18 3:35 PM</a:t>
             </a:fld>
             <a:endParaRPr lang="en-US" dirty="0"/>
           </a:p>
@@ -1481,7 +1481,7 @@
           <a:p>
             <a:fld id="{D18B56EA-E28F-4F92-9F16-7A6F2501B303}" type="datetime8">
               <a:rPr lang="en-US" smtClean="0"/>
-              <a:t>6/8/18 1:45 PM</a:t>
+              <a:t>9/17/18 3:35 PM</a:t>
             </a:fld>
             <a:endParaRPr lang="en-US" dirty="0"/>
           </a:p>
@@ -1662,7 +1662,7 @@
           <a:p>
             <a:fld id="{D18B56EA-E28F-4F92-9F16-7A6F2501B303}" type="datetime8">
               <a:rPr lang="en-US" smtClean="0"/>
-              <a:t>6/8/18 1:45 PM</a:t>
+              <a:t>9/17/18 3:35 PM</a:t>
             </a:fld>
             <a:endParaRPr lang="en-US" dirty="0"/>
           </a:p>
@@ -1843,7 +1843,7 @@
           <a:p>
             <a:fld id="{D18B56EA-E28F-4F92-9F16-7A6F2501B303}" type="datetime8">
               <a:rPr lang="en-US" smtClean="0"/>
-              <a:t>6/8/18 1:45 PM</a:t>
+              <a:t>9/17/18 3:35 PM</a:t>
             </a:fld>
             <a:endParaRPr lang="en-US" dirty="0"/>
           </a:p>
@@ -2129,7 +2129,7 @@
                 <a:tabLst/>
                 <a:defRPr/>
               </a:pPr>
-              <a:t>6/8/18 1:45 PM</a:t>
+              <a:t>9/17/18 3:35 PM</a:t>
             </a:fld>
             <a:endParaRPr kumimoji="0" lang="en-US" sz="1200" b="0" i="0" u="none" strike="noStrike" kern="1200" cap="none" spc="0" normalizeH="0" baseline="0" noProof="0" dirty="0">
               <a:ln>
@@ -2522,7 +2522,7 @@
                 <a:tabLst/>
                 <a:defRPr/>
               </a:pPr>
-              <a:t>6/8/18 1:45 PM</a:t>
+              <a:t>9/17/18 3:35 PM</a:t>
             </a:fld>
             <a:endParaRPr kumimoji="0" lang="en-US" sz="1200" b="0" i="0" u="none" strike="noStrike" kern="1200" cap="none" spc="0" normalizeH="0" baseline="0" noProof="0" dirty="0">
               <a:ln>
@@ -2792,7 +2792,7 @@
           <a:p>
             <a:fld id="{D18B56EA-E28F-4F92-9F16-7A6F2501B303}" type="datetime8">
               <a:rPr lang="en-US" smtClean="0"/>
-              <a:t>6/8/18 1:45 PM</a:t>
+              <a:t>9/17/18 3:35 PM</a:t>
             </a:fld>
             <a:endParaRPr lang="en-US" dirty="0"/>
           </a:p>
@@ -3119,7 +3119,7 @@
                 <a:tabLst/>
                 <a:defRPr/>
               </a:pPr>
-              <a:t>6/8/18 1:45 PM</a:t>
+              <a:t>9/17/18 3:35 PM</a:t>
             </a:fld>
             <a:endParaRPr kumimoji="0" lang="en-US" sz="1200" b="0" i="0" u="none" strike="noStrike" kern="1200" cap="none" spc="0" normalizeH="0" baseline="0" noProof="0" dirty="0">
               <a:ln>
@@ -3417,7 +3417,7 @@
           <a:p>
             <a:fld id="{D18B56EA-E28F-4F92-9F16-7A6F2501B303}" type="datetime8">
               <a:rPr lang="en-US" smtClean="0"/>
-              <a:t>6/8/18 1:45 PM</a:t>
+              <a:t>9/17/18 3:35 PM</a:t>
             </a:fld>
             <a:endParaRPr lang="en-US" dirty="0"/>
           </a:p>
@@ -3730,7 +3730,7 @@
                 <a:tabLst/>
                 <a:defRPr/>
               </a:pPr>
-              <a:t>6/8/18 1:45 PM</a:t>
+              <a:t>9/17/18 3:35 PM</a:t>
             </a:fld>
             <a:endParaRPr kumimoji="0" lang="en-US" sz="1200" b="0" i="0" u="none" strike="noStrike" kern="1200" cap="none" spc="0" normalizeH="0" baseline="0" noProof="0" dirty="0">
               <a:ln>
@@ -4018,7 +4018,7 @@
           <a:p>
             <a:fld id="{D18B56EA-E28F-4F92-9F16-7A6F2501B303}" type="datetime8">
               <a:rPr lang="en-US" smtClean="0"/>
-              <a:t>6/8/18 1:45 PM</a:t>
+              <a:t>9/17/18 3:35 PM</a:t>
             </a:fld>
             <a:endParaRPr lang="en-US" dirty="0"/>
           </a:p>
@@ -4754,7 +4754,7 @@
           <a:p>
             <a:fld id="{D18B56EA-E28F-4F92-9F16-7A6F2501B303}" type="datetime8">
               <a:rPr lang="en-US" smtClean="0"/>
-              <a:t>6/8/18 1:45 PM</a:t>
+              <a:t>9/17/18 3:35 PM</a:t>
             </a:fld>
             <a:endParaRPr lang="en-US" dirty="0"/>
           </a:p>
@@ -15844,7 +15844,7 @@
         <p:spPr>
           <a:xfrm>
             <a:off x="465138" y="1930734"/>
-            <a:ext cx="11533187" cy="4431983"/>
+            <a:ext cx="11533187" cy="4493538"/>
           </a:xfrm>
         </p:spPr>
         <p:txBody>
@@ -16000,16 +16000,10 @@
               <a:defRPr/>
             </a:pPr>
             <a:r>
-              <a:rPr lang="en-US" sz="1800">
-                <a:latin typeface="+mj-lt"/>
-              </a:rPr>
-              <a:t>Word Add-in </a:t>
-            </a:r>
-            <a:r>
               <a:rPr lang="en-US" sz="1800" dirty="0">
                 <a:latin typeface="+mj-lt"/>
               </a:rPr>
-              <a:t>samples</a:t>
+              <a:t>Word Add-in samples</a:t>
             </a:r>
           </a:p>
           <a:p>
@@ -16091,7 +16085,7 @@
               <a:buSzTx/>
             </a:pPr>
             <a:r>
-              <a:rPr lang="en-US" sz="1600" dirty="0">
+              <a:rPr lang="en-US" sz="1800" dirty="0">
                 <a:hlinkClick r:id="rId6"/>
               </a:rPr>
               <a:t>https://dev.office.com/reference/add-ins/word/inlinepicture </a:t>
@@ -16108,12 +16102,12 @@
               <a:buSzTx/>
             </a:pPr>
             <a:r>
-              <a:rPr lang="en-US" sz="1600" dirty="0">
+              <a:rPr lang="en-US" sz="1800" dirty="0">
                 <a:hlinkClick r:id="rId6"/>
               </a:rPr>
               <a:t>https://dev.office.com/reference/add-ins/word/table</a:t>
             </a:r>
-            <a:endParaRPr lang="en-US" sz="1600" dirty="0"/>
+            <a:endParaRPr lang="en-US" sz="1800" dirty="0"/>
           </a:p>
           <a:p>
             <a:pPr marL="342900" indent="-342900" defTabSz="914400">

--- a/OfficeAddin/01 Building Add-ins for Microsoft Word/02 Images HTML and Tables in Word Add-ins.pptx
+++ b/OfficeAddin/01 Building Add-ins for Microsoft Word/02 Images HTML and Tables in Word Add-ins.pptx
@@ -265,7 +265,7 @@
               <a:rPr lang="en-US" smtClean="0">
                 <a:latin typeface="Segoe UI" pitchFamily="34" charset="0"/>
               </a:rPr>
-              <a:t>9/17/18 3:35 PM</a:t>
+              <a:t>3/4/19 8:29 PM</a:t>
             </a:fld>
             <a:endParaRPr lang="en-US" dirty="0">
               <a:latin typeface="Segoe UI" pitchFamily="34" charset="0"/>
@@ -559,7 +559,7 @@
           <a:p>
             <a:fld id="{D18B56EA-E28F-4F92-9F16-7A6F2501B303}" type="datetime8">
               <a:rPr lang="en-US" smtClean="0"/>
-              <a:t>9/17/18 3:35 PM</a:t>
+              <a:t>3/4/19 8:28 PM</a:t>
             </a:fld>
             <a:endParaRPr lang="en-US" dirty="0"/>
           </a:p>
@@ -1047,7 +1047,7 @@
                 <a:tabLst/>
                 <a:defRPr/>
               </a:pPr>
-              <a:t>9/17/18 3:35 PM</a:t>
+              <a:t>3/4/19 8:28 PM</a:t>
             </a:fld>
             <a:endParaRPr kumimoji="0" lang="en-US" sz="1200" b="0" i="0" u="none" strike="noStrike" kern="1200" cap="none" spc="0" normalizeH="0" baseline="0" noProof="0" dirty="0">
               <a:ln>
@@ -1300,7 +1300,7 @@
           <a:p>
             <a:fld id="{D18B56EA-E28F-4F92-9F16-7A6F2501B303}" type="datetime8">
               <a:rPr lang="en-US" smtClean="0"/>
-              <a:t>9/17/18 3:35 PM</a:t>
+              <a:t>3/4/19 8:29 PM</a:t>
             </a:fld>
             <a:endParaRPr lang="en-US" dirty="0"/>
           </a:p>
@@ -1481,7 +1481,7 @@
           <a:p>
             <a:fld id="{D18B56EA-E28F-4F92-9F16-7A6F2501B303}" type="datetime8">
               <a:rPr lang="en-US" smtClean="0"/>
-              <a:t>9/17/18 3:35 PM</a:t>
+              <a:t>3/4/19 8:29 PM</a:t>
             </a:fld>
             <a:endParaRPr lang="en-US" dirty="0"/>
           </a:p>
@@ -1662,7 +1662,7 @@
           <a:p>
             <a:fld id="{D18B56EA-E28F-4F92-9F16-7A6F2501B303}" type="datetime8">
               <a:rPr lang="en-US" smtClean="0"/>
-              <a:t>9/17/18 3:35 PM</a:t>
+              <a:t>3/4/19 8:29 PM</a:t>
             </a:fld>
             <a:endParaRPr lang="en-US" dirty="0"/>
           </a:p>
@@ -1843,7 +1843,7 @@
           <a:p>
             <a:fld id="{D18B56EA-E28F-4F92-9F16-7A6F2501B303}" type="datetime8">
               <a:rPr lang="en-US" smtClean="0"/>
-              <a:t>9/17/18 3:35 PM</a:t>
+              <a:t>3/4/19 8:29 PM</a:t>
             </a:fld>
             <a:endParaRPr lang="en-US" dirty="0"/>
           </a:p>
@@ -2129,7 +2129,7 @@
                 <a:tabLst/>
                 <a:defRPr/>
               </a:pPr>
-              <a:t>9/17/18 3:35 PM</a:t>
+              <a:t>3/4/19 8:28 PM</a:t>
             </a:fld>
             <a:endParaRPr kumimoji="0" lang="en-US" sz="1200" b="0" i="0" u="none" strike="noStrike" kern="1200" cap="none" spc="0" normalizeH="0" baseline="0" noProof="0" dirty="0">
               <a:ln>
@@ -2522,7 +2522,7 @@
                 <a:tabLst/>
                 <a:defRPr/>
               </a:pPr>
-              <a:t>9/17/18 3:35 PM</a:t>
+              <a:t>3/4/19 8:28 PM</a:t>
             </a:fld>
             <a:endParaRPr kumimoji="0" lang="en-US" sz="1200" b="0" i="0" u="none" strike="noStrike" kern="1200" cap="none" spc="0" normalizeH="0" baseline="0" noProof="0" dirty="0">
               <a:ln>
@@ -2792,7 +2792,7 @@
           <a:p>
             <a:fld id="{D18B56EA-E28F-4F92-9F16-7A6F2501B303}" type="datetime8">
               <a:rPr lang="en-US" smtClean="0"/>
-              <a:t>9/17/18 3:35 PM</a:t>
+              <a:t>3/4/19 8:28 PM</a:t>
             </a:fld>
             <a:endParaRPr lang="en-US" dirty="0"/>
           </a:p>
@@ -3119,7 +3119,7 @@
                 <a:tabLst/>
                 <a:defRPr/>
               </a:pPr>
-              <a:t>9/17/18 3:35 PM</a:t>
+              <a:t>3/4/19 8:29 PM</a:t>
             </a:fld>
             <a:endParaRPr kumimoji="0" lang="en-US" sz="1200" b="0" i="0" u="none" strike="noStrike" kern="1200" cap="none" spc="0" normalizeH="0" baseline="0" noProof="0" dirty="0">
               <a:ln>
@@ -3417,7 +3417,7 @@
           <a:p>
             <a:fld id="{D18B56EA-E28F-4F92-9F16-7A6F2501B303}" type="datetime8">
               <a:rPr lang="en-US" smtClean="0"/>
-              <a:t>9/17/18 3:35 PM</a:t>
+              <a:t>3/4/19 8:29 PM</a:t>
             </a:fld>
             <a:endParaRPr lang="en-US" dirty="0"/>
           </a:p>
@@ -3730,7 +3730,7 @@
                 <a:tabLst/>
                 <a:defRPr/>
               </a:pPr>
-              <a:t>9/17/18 3:35 PM</a:t>
+              <a:t>3/4/19 8:29 PM</a:t>
             </a:fld>
             <a:endParaRPr kumimoji="0" lang="en-US" sz="1200" b="0" i="0" u="none" strike="noStrike" kern="1200" cap="none" spc="0" normalizeH="0" baseline="0" noProof="0" dirty="0">
               <a:ln>
@@ -4018,7 +4018,7 @@
           <a:p>
             <a:fld id="{D18B56EA-E28F-4F92-9F16-7A6F2501B303}" type="datetime8">
               <a:rPr lang="en-US" smtClean="0"/>
-              <a:t>9/17/18 3:35 PM</a:t>
+              <a:t>3/4/19 8:29 PM</a:t>
             </a:fld>
             <a:endParaRPr lang="en-US" dirty="0"/>
           </a:p>
@@ -4754,7 +4754,7 @@
           <a:p>
             <a:fld id="{D18B56EA-E28F-4F92-9F16-7A6F2501B303}" type="datetime8">
               <a:rPr lang="en-US" smtClean="0"/>
-              <a:t>9/17/18 3:35 PM</a:t>
+              <a:t>3/4/19 8:29 PM</a:t>
             </a:fld>
             <a:endParaRPr lang="en-US" dirty="0"/>
           </a:p>

--- a/OfficeAddin/01 Building Add-ins for Microsoft Word/02 Images HTML and Tables in Word Add-ins.pptx
+++ b/OfficeAddin/01 Building Add-ins for Microsoft Word/02 Images HTML and Tables in Word Add-ins.pptx
@@ -265,7 +265,7 @@
               <a:rPr lang="en-US" smtClean="0">
                 <a:latin typeface="Segoe UI" pitchFamily="34" charset="0"/>
               </a:rPr>
-              <a:t>3/4/19 8:29 PM</a:t>
+              <a:t>6/6/19 9:29 PM</a:t>
             </a:fld>
             <a:endParaRPr lang="en-US" dirty="0">
               <a:latin typeface="Segoe UI" pitchFamily="34" charset="0"/>
@@ -559,7 +559,7 @@
           <a:p>
             <a:fld id="{D18B56EA-E28F-4F92-9F16-7A6F2501B303}" type="datetime8">
               <a:rPr lang="en-US" smtClean="0"/>
-              <a:t>3/4/19 8:28 PM</a:t>
+              <a:t>6/6/19 9:29 PM</a:t>
             </a:fld>
             <a:endParaRPr lang="en-US" dirty="0"/>
           </a:p>
@@ -1047,7 +1047,7 @@
                 <a:tabLst/>
                 <a:defRPr/>
               </a:pPr>
-              <a:t>3/4/19 8:28 PM</a:t>
+              <a:t>6/6/19 9:29 PM</a:t>
             </a:fld>
             <a:endParaRPr kumimoji="0" lang="en-US" sz="1200" b="0" i="0" u="none" strike="noStrike" kern="1200" cap="none" spc="0" normalizeH="0" baseline="0" noProof="0" dirty="0">
               <a:ln>
@@ -1300,7 +1300,7 @@
           <a:p>
             <a:fld id="{D18B56EA-E28F-4F92-9F16-7A6F2501B303}" type="datetime8">
               <a:rPr lang="en-US" smtClean="0"/>
-              <a:t>3/4/19 8:29 PM</a:t>
+              <a:t>6/6/19 9:29 PM</a:t>
             </a:fld>
             <a:endParaRPr lang="en-US" dirty="0"/>
           </a:p>
@@ -1481,7 +1481,7 @@
           <a:p>
             <a:fld id="{D18B56EA-E28F-4F92-9F16-7A6F2501B303}" type="datetime8">
               <a:rPr lang="en-US" smtClean="0"/>
-              <a:t>3/4/19 8:29 PM</a:t>
+              <a:t>6/6/19 9:29 PM</a:t>
             </a:fld>
             <a:endParaRPr lang="en-US" dirty="0"/>
           </a:p>
@@ -1662,7 +1662,7 @@
           <a:p>
             <a:fld id="{D18B56EA-E28F-4F92-9F16-7A6F2501B303}" type="datetime8">
               <a:rPr lang="en-US" smtClean="0"/>
-              <a:t>3/4/19 8:29 PM</a:t>
+              <a:t>6/6/19 9:29 PM</a:t>
             </a:fld>
             <a:endParaRPr lang="en-US" dirty="0"/>
           </a:p>
@@ -1843,7 +1843,7 @@
           <a:p>
             <a:fld id="{D18B56EA-E28F-4F92-9F16-7A6F2501B303}" type="datetime8">
               <a:rPr lang="en-US" smtClean="0"/>
-              <a:t>3/4/19 8:29 PM</a:t>
+              <a:t>6/6/19 9:29 PM</a:t>
             </a:fld>
             <a:endParaRPr lang="en-US" dirty="0"/>
           </a:p>
@@ -2129,7 +2129,7 @@
                 <a:tabLst/>
                 <a:defRPr/>
               </a:pPr>
-              <a:t>3/4/19 8:28 PM</a:t>
+              <a:t>6/6/19 9:29 PM</a:t>
             </a:fld>
             <a:endParaRPr kumimoji="0" lang="en-US" sz="1200" b="0" i="0" u="none" strike="noStrike" kern="1200" cap="none" spc="0" normalizeH="0" baseline="0" noProof="0" dirty="0">
               <a:ln>
@@ -2522,7 +2522,7 @@
                 <a:tabLst/>
                 <a:defRPr/>
               </a:pPr>
-              <a:t>3/4/19 8:28 PM</a:t>
+              <a:t>6/6/19 9:29 PM</a:t>
             </a:fld>
             <a:endParaRPr kumimoji="0" lang="en-US" sz="1200" b="0" i="0" u="none" strike="noStrike" kern="1200" cap="none" spc="0" normalizeH="0" baseline="0" noProof="0" dirty="0">
               <a:ln>
@@ -2792,7 +2792,7 @@
           <a:p>
             <a:fld id="{D18B56EA-E28F-4F92-9F16-7A6F2501B303}" type="datetime8">
               <a:rPr lang="en-US" smtClean="0"/>
-              <a:t>3/4/19 8:28 PM</a:t>
+              <a:t>6/6/19 9:29 PM</a:t>
             </a:fld>
             <a:endParaRPr lang="en-US" dirty="0"/>
           </a:p>
@@ -3119,7 +3119,7 @@
                 <a:tabLst/>
                 <a:defRPr/>
               </a:pPr>
-              <a:t>3/4/19 8:29 PM</a:t>
+              <a:t>6/6/19 9:29 PM</a:t>
             </a:fld>
             <a:endParaRPr kumimoji="0" lang="en-US" sz="1200" b="0" i="0" u="none" strike="noStrike" kern="1200" cap="none" spc="0" normalizeH="0" baseline="0" noProof="0" dirty="0">
               <a:ln>
@@ -3417,7 +3417,7 @@
           <a:p>
             <a:fld id="{D18B56EA-E28F-4F92-9F16-7A6F2501B303}" type="datetime8">
               <a:rPr lang="en-US" smtClean="0"/>
-              <a:t>3/4/19 8:29 PM</a:t>
+              <a:t>6/6/19 9:29 PM</a:t>
             </a:fld>
             <a:endParaRPr lang="en-US" dirty="0"/>
           </a:p>
@@ -3730,7 +3730,7 @@
                 <a:tabLst/>
                 <a:defRPr/>
               </a:pPr>
-              <a:t>3/4/19 8:29 PM</a:t>
+              <a:t>6/6/19 9:29 PM</a:t>
             </a:fld>
             <a:endParaRPr kumimoji="0" lang="en-US" sz="1200" b="0" i="0" u="none" strike="noStrike" kern="1200" cap="none" spc="0" normalizeH="0" baseline="0" noProof="0" dirty="0">
               <a:ln>
@@ -4018,7 +4018,7 @@
           <a:p>
             <a:fld id="{D18B56EA-E28F-4F92-9F16-7A6F2501B303}" type="datetime8">
               <a:rPr lang="en-US" smtClean="0"/>
-              <a:t>3/4/19 8:29 PM</a:t>
+              <a:t>6/6/19 9:29 PM</a:t>
             </a:fld>
             <a:endParaRPr lang="en-US" dirty="0"/>
           </a:p>
@@ -4754,7 +4754,7 @@
           <a:p>
             <a:fld id="{D18B56EA-E28F-4F92-9F16-7A6F2501B303}" type="datetime8">
               <a:rPr lang="en-US" smtClean="0"/>
-              <a:t>3/4/19 8:29 PM</a:t>
+              <a:t>6/6/19 9:29 PM</a:t>
             </a:fld>
             <a:endParaRPr lang="en-US" dirty="0"/>
           </a:p>
@@ -15050,7 +15050,7 @@
       </a:lvl9pPr>
     </p:otherStyle>
   </p:txStyles>
-  <p:extLst mod="1">
+  <p:extLst>
     <p:ext uri="{27BBF7A9-308A-43DC-89C8-2F10F3537804}">
       <p15:sldGuideLst xmlns:p15="http://schemas.microsoft.com/office/powerpoint/2012/main">
         <p15:guide id="3" pos="1381" userDrawn="1">

--- a/OfficeAddin/01 Building Add-ins for Microsoft Word/02 Images HTML and Tables in Word Add-ins.pptx
+++ b/OfficeAddin/01 Building Add-ins for Microsoft Word/02 Images HTML and Tables in Word Add-ins.pptx
@@ -265,7 +265,7 @@
               <a:rPr lang="en-US" smtClean="0">
                 <a:latin typeface="Segoe UI" pitchFamily="34" charset="0"/>
               </a:rPr>
-              <a:t>6/6/19 9:29 PM</a:t>
+              <a:t>9/8/19 8:15 PM</a:t>
             </a:fld>
             <a:endParaRPr lang="en-US" dirty="0">
               <a:latin typeface="Segoe UI" pitchFamily="34" charset="0"/>
@@ -559,7 +559,7 @@
           <a:p>
             <a:fld id="{D18B56EA-E28F-4F92-9F16-7A6F2501B303}" type="datetime8">
               <a:rPr lang="en-US" smtClean="0"/>
-              <a:t>6/6/19 9:29 PM</a:t>
+              <a:t>9/8/19 8:15 PM</a:t>
             </a:fld>
             <a:endParaRPr lang="en-US" dirty="0"/>
           </a:p>
@@ -1047,7 +1047,7 @@
                 <a:tabLst/>
                 <a:defRPr/>
               </a:pPr>
-              <a:t>6/6/19 9:29 PM</a:t>
+              <a:t>9/8/19 8:15 PM</a:t>
             </a:fld>
             <a:endParaRPr kumimoji="0" lang="en-US" sz="1200" b="0" i="0" u="none" strike="noStrike" kern="1200" cap="none" spc="0" normalizeH="0" baseline="0" noProof="0" dirty="0">
               <a:ln>
@@ -1300,7 +1300,7 @@
           <a:p>
             <a:fld id="{D18B56EA-E28F-4F92-9F16-7A6F2501B303}" type="datetime8">
               <a:rPr lang="en-US" smtClean="0"/>
-              <a:t>6/6/19 9:29 PM</a:t>
+              <a:t>9/8/19 8:15 PM</a:t>
             </a:fld>
             <a:endParaRPr lang="en-US" dirty="0"/>
           </a:p>
@@ -1481,7 +1481,7 @@
           <a:p>
             <a:fld id="{D18B56EA-E28F-4F92-9F16-7A6F2501B303}" type="datetime8">
               <a:rPr lang="en-US" smtClean="0"/>
-              <a:t>6/6/19 9:29 PM</a:t>
+              <a:t>9/8/19 8:16 PM</a:t>
             </a:fld>
             <a:endParaRPr lang="en-US" dirty="0"/>
           </a:p>
@@ -1662,7 +1662,7 @@
           <a:p>
             <a:fld id="{D18B56EA-E28F-4F92-9F16-7A6F2501B303}" type="datetime8">
               <a:rPr lang="en-US" smtClean="0"/>
-              <a:t>6/6/19 9:29 PM</a:t>
+              <a:t>9/8/19 8:15 PM</a:t>
             </a:fld>
             <a:endParaRPr lang="en-US" dirty="0"/>
           </a:p>
@@ -1843,7 +1843,7 @@
           <a:p>
             <a:fld id="{D18B56EA-E28F-4F92-9F16-7A6F2501B303}" type="datetime8">
               <a:rPr lang="en-US" smtClean="0"/>
-              <a:t>6/6/19 9:29 PM</a:t>
+              <a:t>9/8/19 8:15 PM</a:t>
             </a:fld>
             <a:endParaRPr lang="en-US" dirty="0"/>
           </a:p>
@@ -2129,7 +2129,7 @@
                 <a:tabLst/>
                 <a:defRPr/>
               </a:pPr>
-              <a:t>6/6/19 9:29 PM</a:t>
+              <a:t>9/8/19 8:15 PM</a:t>
             </a:fld>
             <a:endParaRPr kumimoji="0" lang="en-US" sz="1200" b="0" i="0" u="none" strike="noStrike" kern="1200" cap="none" spc="0" normalizeH="0" baseline="0" noProof="0" dirty="0">
               <a:ln>
@@ -2522,7 +2522,7 @@
                 <a:tabLst/>
                 <a:defRPr/>
               </a:pPr>
-              <a:t>6/6/19 9:29 PM</a:t>
+              <a:t>9/8/19 8:15 PM</a:t>
             </a:fld>
             <a:endParaRPr kumimoji="0" lang="en-US" sz="1200" b="0" i="0" u="none" strike="noStrike" kern="1200" cap="none" spc="0" normalizeH="0" baseline="0" noProof="0" dirty="0">
               <a:ln>
@@ -2792,7 +2792,7 @@
           <a:p>
             <a:fld id="{D18B56EA-E28F-4F92-9F16-7A6F2501B303}" type="datetime8">
               <a:rPr lang="en-US" smtClean="0"/>
-              <a:t>6/6/19 9:29 PM</a:t>
+              <a:t>9/8/19 8:15 PM</a:t>
             </a:fld>
             <a:endParaRPr lang="en-US" dirty="0"/>
           </a:p>
@@ -3119,7 +3119,7 @@
                 <a:tabLst/>
                 <a:defRPr/>
               </a:pPr>
-              <a:t>6/6/19 9:29 PM</a:t>
+              <a:t>9/8/19 8:15 PM</a:t>
             </a:fld>
             <a:endParaRPr kumimoji="0" lang="en-US" sz="1200" b="0" i="0" u="none" strike="noStrike" kern="1200" cap="none" spc="0" normalizeH="0" baseline="0" noProof="0" dirty="0">
               <a:ln>
@@ -3417,7 +3417,7 @@
           <a:p>
             <a:fld id="{D18B56EA-E28F-4F92-9F16-7A6F2501B303}" type="datetime8">
               <a:rPr lang="en-US" smtClean="0"/>
-              <a:t>6/6/19 9:29 PM</a:t>
+              <a:t>9/8/19 8:15 PM</a:t>
             </a:fld>
             <a:endParaRPr lang="en-US" dirty="0"/>
           </a:p>
@@ -3730,7 +3730,7 @@
                 <a:tabLst/>
                 <a:defRPr/>
               </a:pPr>
-              <a:t>6/6/19 9:29 PM</a:t>
+              <a:t>9/8/19 8:15 PM</a:t>
             </a:fld>
             <a:endParaRPr kumimoji="0" lang="en-US" sz="1200" b="0" i="0" u="none" strike="noStrike" kern="1200" cap="none" spc="0" normalizeH="0" baseline="0" noProof="0" dirty="0">
               <a:ln>
@@ -4018,7 +4018,7 @@
           <a:p>
             <a:fld id="{D18B56EA-E28F-4F92-9F16-7A6F2501B303}" type="datetime8">
               <a:rPr lang="en-US" smtClean="0"/>
-              <a:t>6/6/19 9:29 PM</a:t>
+              <a:t>9/8/19 8:15 PM</a:t>
             </a:fld>
             <a:endParaRPr lang="en-US" dirty="0"/>
           </a:p>
@@ -4754,7 +4754,7 @@
           <a:p>
             <a:fld id="{D18B56EA-E28F-4F92-9F16-7A6F2501B303}" type="datetime8">
               <a:rPr lang="en-US" smtClean="0"/>
-              <a:t>6/6/19 9:29 PM</a:t>
+              <a:t>9/8/19 8:15 PM</a:t>
             </a:fld>
             <a:endParaRPr lang="en-US" dirty="0"/>
           </a:p>
@@ -15844,7 +15844,7 @@
         <p:spPr>
           <a:xfrm>
             <a:off x="465138" y="1930734"/>
-            <a:ext cx="11533187" cy="4493538"/>
+            <a:ext cx="11533187" cy="4524315"/>
           </a:xfrm>
         </p:spPr>
         <p:txBody>
@@ -15960,7 +15960,7 @@
                 <a:latin typeface="+mj-lt"/>
                 <a:hlinkClick r:id="rId4"/>
               </a:rPr>
-              <a:t>https://dev.office.com/reference/add-ins/word/word-add-ins-reference-overview</a:t>
+              <a:t>https://docs.microsoft.com/en-us/office/dev/add-ins/word/</a:t>
             </a:r>
             <a:endParaRPr lang="en-US" sz="1800" dirty="0">
               <a:latin typeface="+mj-lt"/>
@@ -16086,10 +16086,14 @@
             </a:pPr>
             <a:r>
               <a:rPr lang="en-US" sz="1800" dirty="0">
+                <a:latin typeface="+mj-lt"/>
                 <a:hlinkClick r:id="rId6"/>
               </a:rPr>
-              <a:t>https://dev.office.com/reference/add-ins/word/inlinepicture </a:t>
-            </a:r>
+              <a:t>https://docs.microsoft.com/en-us/javascript/api/word/word.inlinepicture</a:t>
+            </a:r>
+            <a:endParaRPr lang="en-US" sz="1800" dirty="0">
+              <a:latin typeface="+mj-lt"/>
+            </a:endParaRPr>
           </a:p>
           <a:p>
             <a:pPr marL="342900" indent="-342900" defTabSz="914400">
@@ -16103,11 +16107,14 @@
             </a:pPr>
             <a:r>
               <a:rPr lang="en-US" sz="1800" dirty="0">
-                <a:hlinkClick r:id="rId6"/>
-              </a:rPr>
-              <a:t>https://dev.office.com/reference/add-ins/word/table</a:t>
-            </a:r>
-            <a:endParaRPr lang="en-US" sz="1800" dirty="0"/>
+                <a:latin typeface="+mj-lt"/>
+                <a:hlinkClick r:id="rId7"/>
+              </a:rPr>
+              <a:t>https://docs.microsoft.com/en-us/javascript/api/word/word.table</a:t>
+            </a:r>
+            <a:endParaRPr lang="en-US" sz="1800" dirty="0">
+              <a:latin typeface="+mj-lt"/>
+            </a:endParaRPr>
           </a:p>
           <a:p>
             <a:pPr marL="342900" indent="-342900" defTabSz="914400">
@@ -16119,7 +16126,9 @@
               </a:spcBef>
               <a:buSzTx/>
             </a:pPr>
-            <a:endParaRPr lang="en-US" sz="1600" dirty="0"/>
+            <a:endParaRPr lang="en-US" sz="1800" dirty="0">
+              <a:latin typeface="+mj-lt"/>
+            </a:endParaRPr>
           </a:p>
         </p:txBody>
       </p:sp>

--- a/OfficeAddin/01 Building Add-ins for Microsoft Word/02 Images HTML and Tables in Word Add-ins.pptx
+++ b/OfficeAddin/01 Building Add-ins for Microsoft Word/02 Images HTML and Tables in Word Add-ins.pptx
@@ -265,7 +265,7 @@
               <a:rPr lang="en-US" smtClean="0">
                 <a:latin typeface="Segoe UI" pitchFamily="34" charset="0"/>
               </a:rPr>
-              <a:t>9/8/19 8:15 PM</a:t>
+              <a:t>12/8/19 8:32 PM</a:t>
             </a:fld>
             <a:endParaRPr lang="en-US" dirty="0">
               <a:latin typeface="Segoe UI" pitchFamily="34" charset="0"/>
@@ -559,7 +559,7 @@
           <a:p>
             <a:fld id="{D18B56EA-E28F-4F92-9F16-7A6F2501B303}" type="datetime8">
               <a:rPr lang="en-US" smtClean="0"/>
-              <a:t>9/8/19 8:15 PM</a:t>
+              <a:t>12/8/19 8:32 PM</a:t>
             </a:fld>
             <a:endParaRPr lang="en-US" dirty="0"/>
           </a:p>
@@ -1047,7 +1047,7 @@
                 <a:tabLst/>
                 <a:defRPr/>
               </a:pPr>
-              <a:t>9/8/19 8:15 PM</a:t>
+              <a:t>12/8/19 8:32 PM</a:t>
             </a:fld>
             <a:endParaRPr kumimoji="0" lang="en-US" sz="1200" b="0" i="0" u="none" strike="noStrike" kern="1200" cap="none" spc="0" normalizeH="0" baseline="0" noProof="0" dirty="0">
               <a:ln>
@@ -1300,7 +1300,7 @@
           <a:p>
             <a:fld id="{D18B56EA-E28F-4F92-9F16-7A6F2501B303}" type="datetime8">
               <a:rPr lang="en-US" smtClean="0"/>
-              <a:t>9/8/19 8:15 PM</a:t>
+              <a:t>12/8/19 8:32 PM</a:t>
             </a:fld>
             <a:endParaRPr lang="en-US" dirty="0"/>
           </a:p>
@@ -1481,7 +1481,7 @@
           <a:p>
             <a:fld id="{D18B56EA-E28F-4F92-9F16-7A6F2501B303}" type="datetime8">
               <a:rPr lang="en-US" smtClean="0"/>
-              <a:t>9/8/19 8:16 PM</a:t>
+              <a:t>12/8/19 8:32 PM</a:t>
             </a:fld>
             <a:endParaRPr lang="en-US" dirty="0"/>
           </a:p>
@@ -1662,7 +1662,7 @@
           <a:p>
             <a:fld id="{D18B56EA-E28F-4F92-9F16-7A6F2501B303}" type="datetime8">
               <a:rPr lang="en-US" smtClean="0"/>
-              <a:t>9/8/19 8:15 PM</a:t>
+              <a:t>12/8/19 8:32 PM</a:t>
             </a:fld>
             <a:endParaRPr lang="en-US" dirty="0"/>
           </a:p>
@@ -1843,7 +1843,7 @@
           <a:p>
             <a:fld id="{D18B56EA-E28F-4F92-9F16-7A6F2501B303}" type="datetime8">
               <a:rPr lang="en-US" smtClean="0"/>
-              <a:t>9/8/19 8:15 PM</a:t>
+              <a:t>12/8/19 8:32 PM</a:t>
             </a:fld>
             <a:endParaRPr lang="en-US" dirty="0"/>
           </a:p>
@@ -2129,7 +2129,7 @@
                 <a:tabLst/>
                 <a:defRPr/>
               </a:pPr>
-              <a:t>9/8/19 8:15 PM</a:t>
+              <a:t>12/8/19 8:32 PM</a:t>
             </a:fld>
             <a:endParaRPr kumimoji="0" lang="en-US" sz="1200" b="0" i="0" u="none" strike="noStrike" kern="1200" cap="none" spc="0" normalizeH="0" baseline="0" noProof="0" dirty="0">
               <a:ln>
@@ -2522,7 +2522,7 @@
                 <a:tabLst/>
                 <a:defRPr/>
               </a:pPr>
-              <a:t>9/8/19 8:15 PM</a:t>
+              <a:t>12/8/19 8:32 PM</a:t>
             </a:fld>
             <a:endParaRPr kumimoji="0" lang="en-US" sz="1200" b="0" i="0" u="none" strike="noStrike" kern="1200" cap="none" spc="0" normalizeH="0" baseline="0" noProof="0" dirty="0">
               <a:ln>
@@ -2792,7 +2792,7 @@
           <a:p>
             <a:fld id="{D18B56EA-E28F-4F92-9F16-7A6F2501B303}" type="datetime8">
               <a:rPr lang="en-US" smtClean="0"/>
-              <a:t>9/8/19 8:15 PM</a:t>
+              <a:t>12/8/19 8:32 PM</a:t>
             </a:fld>
             <a:endParaRPr lang="en-US" dirty="0"/>
           </a:p>
@@ -3119,7 +3119,7 @@
                 <a:tabLst/>
                 <a:defRPr/>
               </a:pPr>
-              <a:t>9/8/19 8:15 PM</a:t>
+              <a:t>12/8/19 8:32 PM</a:t>
             </a:fld>
             <a:endParaRPr kumimoji="0" lang="en-US" sz="1200" b="0" i="0" u="none" strike="noStrike" kern="1200" cap="none" spc="0" normalizeH="0" baseline="0" noProof="0" dirty="0">
               <a:ln>
@@ -3417,7 +3417,7 @@
           <a:p>
             <a:fld id="{D18B56EA-E28F-4F92-9F16-7A6F2501B303}" type="datetime8">
               <a:rPr lang="en-US" smtClean="0"/>
-              <a:t>9/8/19 8:15 PM</a:t>
+              <a:t>12/8/19 8:32 PM</a:t>
             </a:fld>
             <a:endParaRPr lang="en-US" dirty="0"/>
           </a:p>
@@ -3730,7 +3730,7 @@
                 <a:tabLst/>
                 <a:defRPr/>
               </a:pPr>
-              <a:t>9/8/19 8:15 PM</a:t>
+              <a:t>12/8/19 8:32 PM</a:t>
             </a:fld>
             <a:endParaRPr kumimoji="0" lang="en-US" sz="1200" b="0" i="0" u="none" strike="noStrike" kern="1200" cap="none" spc="0" normalizeH="0" baseline="0" noProof="0" dirty="0">
               <a:ln>
@@ -4018,7 +4018,7 @@
           <a:p>
             <a:fld id="{D18B56EA-E28F-4F92-9F16-7A6F2501B303}" type="datetime8">
               <a:rPr lang="en-US" smtClean="0"/>
-              <a:t>9/8/19 8:15 PM</a:t>
+              <a:t>12/8/19 8:32 PM</a:t>
             </a:fld>
             <a:endParaRPr lang="en-US" dirty="0"/>
           </a:p>
@@ -4754,7 +4754,7 @@
           <a:p>
             <a:fld id="{D18B56EA-E28F-4F92-9F16-7A6F2501B303}" type="datetime8">
               <a:rPr lang="en-US" smtClean="0"/>
-              <a:t>9/8/19 8:15 PM</a:t>
+              <a:t>12/8/19 8:32 PM</a:t>
             </a:fld>
             <a:endParaRPr lang="en-US" dirty="0"/>
           </a:p>
@@ -15237,7 +15237,11 @@
           <a:p>
             <a:r>
               <a:rPr lang="en-US" dirty="0"/>
-              <a:t>Working with HTML, Images and Tables</a:t>
+              <a:t>Working with HTML, Images </a:t>
+            </a:r>
+            <a:r>
+              <a:rPr lang="en-US"/>
+              <a:t>and Tables </a:t>
             </a:r>
             <a:endParaRPr lang="en-US" dirty="0">
               <a:noFill/>

--- a/OfficeAddin/01 Building Add-ins for Microsoft Word/02 Images HTML and Tables in Word Add-ins.pptx
+++ b/OfficeAddin/01 Building Add-ins for Microsoft Word/02 Images HTML and Tables in Word Add-ins.pptx
@@ -265,7 +265,7 @@
               <a:rPr lang="en-US" smtClean="0">
                 <a:latin typeface="Segoe UI" pitchFamily="34" charset="0"/>
               </a:rPr>
-              <a:t>12/8/19 8:32 PM</a:t>
+              <a:t>3/3/20 8:31 PM</a:t>
             </a:fld>
             <a:endParaRPr lang="en-US" dirty="0">
               <a:latin typeface="Segoe UI" pitchFamily="34" charset="0"/>
@@ -559,7 +559,7 @@
           <a:p>
             <a:fld id="{D18B56EA-E28F-4F92-9F16-7A6F2501B303}" type="datetime8">
               <a:rPr lang="en-US" smtClean="0"/>
-              <a:t>12/8/19 8:32 PM</a:t>
+              <a:t>3/3/20 8:31 PM</a:t>
             </a:fld>
             <a:endParaRPr lang="en-US" dirty="0"/>
           </a:p>
@@ -1047,7 +1047,7 @@
                 <a:tabLst/>
                 <a:defRPr/>
               </a:pPr>
-              <a:t>12/8/19 8:32 PM</a:t>
+              <a:t>3/3/20 8:31 PM</a:t>
             </a:fld>
             <a:endParaRPr kumimoji="0" lang="en-US" sz="1200" b="0" i="0" u="none" strike="noStrike" kern="1200" cap="none" spc="0" normalizeH="0" baseline="0" noProof="0" dirty="0">
               <a:ln>
@@ -1300,7 +1300,7 @@
           <a:p>
             <a:fld id="{D18B56EA-E28F-4F92-9F16-7A6F2501B303}" type="datetime8">
               <a:rPr lang="en-US" smtClean="0"/>
-              <a:t>12/8/19 8:32 PM</a:t>
+              <a:t>3/3/20 8:31 PM</a:t>
             </a:fld>
             <a:endParaRPr lang="en-US" dirty="0"/>
           </a:p>
@@ -1481,7 +1481,7 @@
           <a:p>
             <a:fld id="{D18B56EA-E28F-4F92-9F16-7A6F2501B303}" type="datetime8">
               <a:rPr lang="en-US" smtClean="0"/>
-              <a:t>12/8/19 8:32 PM</a:t>
+              <a:t>3/3/20 8:31 PM</a:t>
             </a:fld>
             <a:endParaRPr lang="en-US" dirty="0"/>
           </a:p>
@@ -1662,7 +1662,7 @@
           <a:p>
             <a:fld id="{D18B56EA-E28F-4F92-9F16-7A6F2501B303}" type="datetime8">
               <a:rPr lang="en-US" smtClean="0"/>
-              <a:t>12/8/19 8:32 PM</a:t>
+              <a:t>3/3/20 8:31 PM</a:t>
             </a:fld>
             <a:endParaRPr lang="en-US" dirty="0"/>
           </a:p>
@@ -1843,7 +1843,7 @@
           <a:p>
             <a:fld id="{D18B56EA-E28F-4F92-9F16-7A6F2501B303}" type="datetime8">
               <a:rPr lang="en-US" smtClean="0"/>
-              <a:t>12/8/19 8:32 PM</a:t>
+              <a:t>3/3/20 8:31 PM</a:t>
             </a:fld>
             <a:endParaRPr lang="en-US" dirty="0"/>
           </a:p>
@@ -2129,7 +2129,7 @@
                 <a:tabLst/>
                 <a:defRPr/>
               </a:pPr>
-              <a:t>12/8/19 8:32 PM</a:t>
+              <a:t>3/3/20 8:31 PM</a:t>
             </a:fld>
             <a:endParaRPr kumimoji="0" lang="en-US" sz="1200" b="0" i="0" u="none" strike="noStrike" kern="1200" cap="none" spc="0" normalizeH="0" baseline="0" noProof="0" dirty="0">
               <a:ln>
@@ -2522,7 +2522,7 @@
                 <a:tabLst/>
                 <a:defRPr/>
               </a:pPr>
-              <a:t>12/8/19 8:32 PM</a:t>
+              <a:t>3/3/20 8:31 PM</a:t>
             </a:fld>
             <a:endParaRPr kumimoji="0" lang="en-US" sz="1200" b="0" i="0" u="none" strike="noStrike" kern="1200" cap="none" spc="0" normalizeH="0" baseline="0" noProof="0" dirty="0">
               <a:ln>
@@ -2792,7 +2792,7 @@
           <a:p>
             <a:fld id="{D18B56EA-E28F-4F92-9F16-7A6F2501B303}" type="datetime8">
               <a:rPr lang="en-US" smtClean="0"/>
-              <a:t>12/8/19 8:32 PM</a:t>
+              <a:t>3/3/20 8:31 PM</a:t>
             </a:fld>
             <a:endParaRPr lang="en-US" dirty="0"/>
           </a:p>
@@ -3119,7 +3119,7 @@
                 <a:tabLst/>
                 <a:defRPr/>
               </a:pPr>
-              <a:t>12/8/19 8:32 PM</a:t>
+              <a:t>3/3/20 8:31 PM</a:t>
             </a:fld>
             <a:endParaRPr kumimoji="0" lang="en-US" sz="1200" b="0" i="0" u="none" strike="noStrike" kern="1200" cap="none" spc="0" normalizeH="0" baseline="0" noProof="0" dirty="0">
               <a:ln>
@@ -3417,7 +3417,7 @@
           <a:p>
             <a:fld id="{D18B56EA-E28F-4F92-9F16-7A6F2501B303}" type="datetime8">
               <a:rPr lang="en-US" smtClean="0"/>
-              <a:t>12/8/19 8:32 PM</a:t>
+              <a:t>3/3/20 8:31 PM</a:t>
             </a:fld>
             <a:endParaRPr lang="en-US" dirty="0"/>
           </a:p>
@@ -3730,7 +3730,7 @@
                 <a:tabLst/>
                 <a:defRPr/>
               </a:pPr>
-              <a:t>12/8/19 8:32 PM</a:t>
+              <a:t>3/3/20 8:31 PM</a:t>
             </a:fld>
             <a:endParaRPr kumimoji="0" lang="en-US" sz="1200" b="0" i="0" u="none" strike="noStrike" kern="1200" cap="none" spc="0" normalizeH="0" baseline="0" noProof="0" dirty="0">
               <a:ln>
@@ -4018,7 +4018,7 @@
           <a:p>
             <a:fld id="{D18B56EA-E28F-4F92-9F16-7A6F2501B303}" type="datetime8">
               <a:rPr lang="en-US" smtClean="0"/>
-              <a:t>12/8/19 8:32 PM</a:t>
+              <a:t>3/3/20 8:31 PM</a:t>
             </a:fld>
             <a:endParaRPr lang="en-US" dirty="0"/>
           </a:p>
@@ -4754,7 +4754,7 @@
           <a:p>
             <a:fld id="{D18B56EA-E28F-4F92-9F16-7A6F2501B303}" type="datetime8">
               <a:rPr lang="en-US" smtClean="0"/>
-              <a:t>12/8/19 8:32 PM</a:t>
+              <a:t>3/3/20 8:31 PM</a:t>
             </a:fld>
             <a:endParaRPr lang="en-US" dirty="0"/>
           </a:p>
@@ -15237,11 +15237,7 @@
           <a:p>
             <a:r>
               <a:rPr lang="en-US" dirty="0"/>
-              <a:t>Working with HTML, Images </a:t>
-            </a:r>
-            <a:r>
-              <a:rPr lang="en-US"/>
-              <a:t>and Tables </a:t>
+              <a:t>Working with HTML, Images and Tables  </a:t>
             </a:r>
             <a:endParaRPr lang="en-US" dirty="0">
               <a:noFill/>

--- a/OfficeAddin/01 Building Add-ins for Microsoft Word/02 Images HTML and Tables in Word Add-ins.pptx
+++ b/OfficeAddin/01 Building Add-ins for Microsoft Word/02 Images HTML and Tables in Word Add-ins.pptx
@@ -265,7 +265,7 @@
               <a:rPr lang="en-US" smtClean="0">
                 <a:latin typeface="Segoe UI" pitchFamily="34" charset="0"/>
               </a:rPr>
-              <a:t>3/3/20 8:31 PM</a:t>
+              <a:t>3/31/20 7:01 AM</a:t>
             </a:fld>
             <a:endParaRPr lang="en-US" dirty="0">
               <a:latin typeface="Segoe UI" pitchFamily="34" charset="0"/>
@@ -559,7 +559,7 @@
           <a:p>
             <a:fld id="{D18B56EA-E28F-4F92-9F16-7A6F2501B303}" type="datetime8">
               <a:rPr lang="en-US" smtClean="0"/>
-              <a:t>3/3/20 8:31 PM</a:t>
+              <a:t>3/31/20 7:01 AM</a:t>
             </a:fld>
             <a:endParaRPr lang="en-US" dirty="0"/>
           </a:p>
@@ -1047,7 +1047,7 @@
                 <a:tabLst/>
                 <a:defRPr/>
               </a:pPr>
-              <a:t>3/3/20 8:31 PM</a:t>
+              <a:t>3/31/20 7:01 AM</a:t>
             </a:fld>
             <a:endParaRPr kumimoji="0" lang="en-US" sz="1200" b="0" i="0" u="none" strike="noStrike" kern="1200" cap="none" spc="0" normalizeH="0" baseline="0" noProof="0" dirty="0">
               <a:ln>
@@ -1300,7 +1300,7 @@
           <a:p>
             <a:fld id="{D18B56EA-E28F-4F92-9F16-7A6F2501B303}" type="datetime8">
               <a:rPr lang="en-US" smtClean="0"/>
-              <a:t>3/3/20 8:31 PM</a:t>
+              <a:t>3/31/20 7:01 AM</a:t>
             </a:fld>
             <a:endParaRPr lang="en-US" dirty="0"/>
           </a:p>
@@ -1481,7 +1481,7 @@
           <a:p>
             <a:fld id="{D18B56EA-E28F-4F92-9F16-7A6F2501B303}" type="datetime8">
               <a:rPr lang="en-US" smtClean="0"/>
-              <a:t>3/3/20 8:31 PM</a:t>
+              <a:t>3/31/20 7:01 AM</a:t>
             </a:fld>
             <a:endParaRPr lang="en-US" dirty="0"/>
           </a:p>
@@ -1662,7 +1662,7 @@
           <a:p>
             <a:fld id="{D18B56EA-E28F-4F92-9F16-7A6F2501B303}" type="datetime8">
               <a:rPr lang="en-US" smtClean="0"/>
-              <a:t>3/3/20 8:31 PM</a:t>
+              <a:t>3/31/20 7:01 AM</a:t>
             </a:fld>
             <a:endParaRPr lang="en-US" dirty="0"/>
           </a:p>
@@ -1843,7 +1843,7 @@
           <a:p>
             <a:fld id="{D18B56EA-E28F-4F92-9F16-7A6F2501B303}" type="datetime8">
               <a:rPr lang="en-US" smtClean="0"/>
-              <a:t>3/3/20 8:31 PM</a:t>
+              <a:t>3/31/20 7:01 AM</a:t>
             </a:fld>
             <a:endParaRPr lang="en-US" dirty="0"/>
           </a:p>
@@ -1930,7 +1930,10 @@
           <a:bodyPr/>
           <a:lstStyle/>
           <a:p>
-            <a:endParaRPr lang="en-US"/>
+            <a:r>
+              <a:rPr lang="en-US" dirty="0"/>
+              <a:t>In this unit, you'll learn how to work with HTML, images, and tables in Microsoft Word documents using the Office JavaScript API.</a:t>
+            </a:r>
           </a:p>
         </p:txBody>
       </p:sp>
@@ -2129,7 +2132,7 @@
                 <a:tabLst/>
                 <a:defRPr/>
               </a:pPr>
-              <a:t>3/3/20 8:31 PM</a:t>
+              <a:t>3/31/20 10:57 AM</a:t>
             </a:fld>
             <a:endParaRPr kumimoji="0" lang="en-US" sz="1200" b="0" i="0" u="none" strike="noStrike" kern="1200" cap="none" spc="0" normalizeH="0" baseline="0" noProof="0" dirty="0">
               <a:ln>
@@ -2290,8 +2293,11 @@
           <a:p>
             <a:r>
               <a:rPr lang="en-US" dirty="0"/>
-              <a:t>Modern Office add-ins are built with web technologies, so many add-in developers may find it easier to work with a Word document as HTML rather than the Open Office XML representation which tends to be somewhat cryptic and difficult to decipher</a:t>
-            </a:r>
+              <a:t>Many developers will find it easier to interact with a Word document as HTML rather than using the Open Office XML (OOXML). Open Office XML tends to be somewhat cryptic and difficult for developers to decipher.</a:t>
+            </a:r>
+          </a:p>
+          <a:p>
+            <a:endParaRPr lang="en-US" dirty="0"/>
           </a:p>
           <a:p>
             <a:r>
@@ -2300,13 +2306,7 @@
             </a:r>
             <a:r>
               <a:rPr lang="en-US" dirty="0"/>
-              <a:t> allows content to be written to or read from a document as HTML</a:t>
-            </a:r>
-          </a:p>
-          <a:p>
-            <a:r>
-              <a:rPr lang="en-US" dirty="0"/>
-              <a:t>The document body, paragraphs, and ranges can be manipulated as HTML using the </a:t>
+              <a:t> enables developers to write or read content in a Word document as familiar HTML. The document body, paragraphs, and ranges can all be manipulated as HTML using the `</a:t>
             </a:r>
             <a:r>
               <a:rPr lang="en-US" dirty="0" err="1"/>
@@ -2314,7 +2314,7 @@
             </a:r>
             <a:r>
               <a:rPr lang="en-US" dirty="0"/>
-              <a:t> and </a:t>
+              <a:t>()` and `</a:t>
             </a:r>
             <a:r>
               <a:rPr lang="en-US" dirty="0" err="1"/>
@@ -2322,7 +2322,7 @@
             </a:r>
             <a:r>
               <a:rPr lang="en-US" dirty="0"/>
-              <a:t> operations.</a:t>
+              <a:t>()` methods in the Word JavaScript API.</a:t>
             </a:r>
           </a:p>
         </p:txBody>
@@ -2522,7 +2522,7 @@
                 <a:tabLst/>
                 <a:defRPr/>
               </a:pPr>
-              <a:t>3/3/20 8:31 PM</a:t>
+              <a:t>3/31/20 10:59 AM</a:t>
             </a:fld>
             <a:endParaRPr kumimoji="0" lang="en-US" sz="1200" b="0" i="0" u="none" strike="noStrike" kern="1200" cap="none" spc="0" normalizeH="0" baseline="0" noProof="0" dirty="0">
               <a:ln>
@@ -2681,23 +2681,38 @@
           <a:bodyPr/>
           <a:lstStyle/>
           <a:p>
-            <a:pPr marL="171450" indent="-171450">
+            <a:pPr marL="0" indent="0">
               <a:buFont typeface="Arial" panose="020B0604020202020204" pitchFamily="34" charset="0"/>
-              <a:buChar char="•"/>
+              <a:buNone/>
             </a:pPr>
             <a:r>
               <a:rPr lang="en-US" dirty="0"/>
-              <a:t>The first sample here is inserting a few paragraphs as HTML to the end of an existing paragraph</a:t>
-            </a:r>
-          </a:p>
-          <a:p>
-            <a:pPr marL="171450" indent="-171450">
+              <a:t>The following code writes a block of HTML at the end of a paragraph. This same code can also be used for the document body and a range of content:</a:t>
+            </a:r>
+          </a:p>
+          <a:p>
+            <a:pPr marL="0" indent="0">
               <a:buFont typeface="Arial" panose="020B0604020202020204" pitchFamily="34" charset="0"/>
-              <a:buChar char="•"/>
+              <a:buNone/>
             </a:pPr>
-            <a:r>
-              <a:rPr lang="en-US" dirty="0"/>
-              <a:t>The second sample is reading a paragraph as HTML</a:t>
+            <a:endParaRPr lang="en-US" dirty="0"/>
+          </a:p>
+          <a:p>
+            <a:pPr marL="0" indent="0">
+              <a:buFont typeface="Arial" panose="020B0604020202020204" pitchFamily="34" charset="0"/>
+              <a:buNone/>
+            </a:pPr>
+            <a:r>
+              <a:rPr lang="en-US" dirty="0"/>
+              <a:t>To retrieve the contents of a paragraph as HTML, use the `</a:t>
+            </a:r>
+            <a:r>
+              <a:rPr lang="en-US" dirty="0" err="1"/>
+              <a:t>getHtml</a:t>
+            </a:r>
+            <a:r>
+              <a:rPr lang="en-US" dirty="0"/>
+              <a:t>()` method as the following code demonstrates:</a:t>
             </a:r>
           </a:p>
         </p:txBody>
@@ -2792,7 +2807,7 @@
           <a:p>
             <a:fld id="{D18B56EA-E28F-4F92-9F16-7A6F2501B303}" type="datetime8">
               <a:rPr lang="en-US" smtClean="0"/>
-              <a:t>3/3/20 8:31 PM</a:t>
+              <a:t>3/31/20 11:01 AM</a:t>
             </a:fld>
             <a:endParaRPr lang="en-US" dirty="0"/>
           </a:p>
@@ -2881,7 +2896,7 @@
           <a:p>
             <a:r>
               <a:rPr lang="en-US" dirty="0"/>
-              <a:t>Images can be difficult to work with in JavaScript, especially in a binary form. </a:t>
+              <a:t>Images can be challenging to work with in JavaScript, but </a:t>
             </a:r>
             <a:r>
               <a:rPr lang="en-US" dirty="0" err="1"/>
@@ -2889,28 +2904,19 @@
             </a:r>
             <a:r>
               <a:rPr lang="en-US" dirty="0"/>
-              <a:t> makes it easy to work with images in a Word document by exposing them in their base64 encoded string representation</a:t>
-            </a:r>
-          </a:p>
-          <a:p>
-            <a:r>
-              <a:rPr lang="en-US" dirty="0"/>
-              <a:t>Images can be inserted in the body, paragraph, or ranges of a document.</a:t>
-            </a:r>
-          </a:p>
-          <a:p>
-            <a:r>
-              <a:rPr lang="en-US" dirty="0"/>
-              <a:t>Each of these objects contains a </a:t>
-            </a:r>
-            <a:r>
-              <a:rPr lang="en-US" dirty="0" err="1"/>
-              <a:t>inlineImages</a:t>
-            </a:r>
-            <a:r>
-              <a:rPr lang="en-US" dirty="0"/>
-              <a:t> collection</a:t>
-            </a:r>
+              <a:t> allows images to be manipulated as base64 encoded strings. Images can be inserted into the body, paragraphs, or ranges of a document. Each of these objects have an `</a:t>
+            </a:r>
+            <a:r>
+              <a:rPr lang="en-US" dirty="0" err="1"/>
+              <a:t>inlinePictures</a:t>
+            </a:r>
+            <a:r>
+              <a:rPr lang="en-US" dirty="0"/>
+              <a:t>` collection that developers can write to.</a:t>
+            </a:r>
+          </a:p>
+          <a:p>
+            <a:endParaRPr lang="en-US" dirty="0"/>
           </a:p>
           <a:p>
             <a:r>
@@ -2919,7 +2925,15 @@
             </a:r>
             <a:r>
               <a:rPr lang="en-US" dirty="0"/>
-              <a:t> can be used to manipulate how images are displayed in a document, including the height, width and aspect ratios.</a:t>
+              <a:t> allows you to manipulate how images are displayed in the document through properties such as `</a:t>
+            </a:r>
+            <a:r>
+              <a:rPr lang="en-US" dirty="0" err="1"/>
+              <a:t>lockAspectRatio</a:t>
+            </a:r>
+            <a:r>
+              <a:rPr lang="en-US" dirty="0"/>
+              <a:t>`, `height`, and `width` among others.</a:t>
             </a:r>
           </a:p>
         </p:txBody>
@@ -3119,7 +3133,7 @@
                 <a:tabLst/>
                 <a:defRPr/>
               </a:pPr>
-              <a:t>3/3/20 8:31 PM</a:t>
+              <a:t>3/31/20 11:13 AM</a:t>
             </a:fld>
             <a:endParaRPr kumimoji="0" lang="en-US" sz="1200" b="0" i="0" u="none" strike="noStrike" kern="1200" cap="none" spc="0" normalizeH="0" baseline="0" noProof="0" dirty="0">
               <a:ln>
@@ -3417,7 +3431,7 @@
           <a:p>
             <a:fld id="{D18B56EA-E28F-4F92-9F16-7A6F2501B303}" type="datetime8">
               <a:rPr lang="en-US" smtClean="0"/>
-              <a:t>3/3/20 8:31 PM</a:t>
+              <a:t>3/31/20 7:01 AM</a:t>
             </a:fld>
             <a:endParaRPr lang="en-US" dirty="0"/>
           </a:p>
@@ -3510,13 +3524,16 @@
             </a:r>
             <a:r>
               <a:rPr lang="en-US" dirty="0"/>
-              <a:t> allows tables to be inserted relative to paragraphs, ranges, and the body of a document.</a:t>
-            </a:r>
-          </a:p>
-          <a:p>
-            <a:r>
-              <a:rPr lang="en-US" dirty="0"/>
-              <a:t>The </a:t>
+              <a:t> enables developers to insert a table relative to paragraphs, ranges, and the body of a document.</a:t>
+            </a:r>
+          </a:p>
+          <a:p>
+            <a:endParaRPr lang="en-US" dirty="0"/>
+          </a:p>
+          <a:p>
+            <a:r>
+              <a:rPr lang="en-US" dirty="0"/>
+              <a:t>The `</a:t>
             </a:r>
             <a:r>
               <a:rPr lang="en-US" dirty="0" err="1"/>
@@ -3524,13 +3541,39 @@
             </a:r>
             <a:r>
               <a:rPr lang="en-US" dirty="0"/>
-              <a:t> function accepts the table dimensions, the insert location, and a 2D array of data to display in the table</a:t>
-            </a:r>
-          </a:p>
-          <a:p>
-            <a:r>
-              <a:rPr lang="en-US" dirty="0"/>
-              <a:t>Only the document body and ranges expose a table collection property as tables do not exist within a paragraph, only relative to a paragraph.</a:t>
+              <a:t>` method specifies the dimensions of the table and where to insert it. Data is added to the table by passing in a two dimensional array of values to the `</a:t>
+            </a:r>
+            <a:r>
+              <a:rPr lang="en-US" dirty="0" err="1"/>
+              <a:t>insertTable</a:t>
+            </a:r>
+            <a:r>
+              <a:rPr lang="en-US" dirty="0"/>
+              <a:t>()` method.</a:t>
+            </a:r>
+          </a:p>
+          <a:p>
+            <a:endParaRPr lang="en-US" dirty="0"/>
+          </a:p>
+          <a:p>
+            <a:r>
+              <a:rPr lang="en-US" dirty="0"/>
+              <a:t>The `tables` property allows tables to be accessed and manipulated in JavaScript on the `body` and `range` objects.</a:t>
+            </a:r>
+          </a:p>
+          <a:p>
+            <a:endParaRPr lang="en-US" dirty="0"/>
+          </a:p>
+          <a:p>
+            <a:r>
+              <a:rPr lang="en-US" dirty="0"/>
+              <a:t>&gt; [!IMPORTANT]</a:t>
+            </a:r>
+          </a:p>
+          <a:p>
+            <a:r>
+              <a:rPr lang="en-US" dirty="0"/>
+              <a:t>&gt; While a table can be inserted into the document relative to a paragraph, it doesn't exist within the paragraph. This differs from inline images covered in the previous section that are added to paragraphs.</a:t>
             </a:r>
           </a:p>
         </p:txBody>
@@ -3730,7 +3773,7 @@
                 <a:tabLst/>
                 <a:defRPr/>
               </a:pPr>
-              <a:t>3/3/20 8:31 PM</a:t>
+              <a:t>3/31/20 11:30 AM</a:t>
             </a:fld>
             <a:endParaRPr kumimoji="0" lang="en-US" sz="1200" b="0" i="0" u="none" strike="noStrike" kern="1200" cap="none" spc="0" normalizeH="0" baseline="0" noProof="0" dirty="0">
               <a:ln>
@@ -3895,7 +3938,7 @@
             </a:pPr>
             <a:r>
               <a:rPr lang="en-US" dirty="0"/>
-              <a:t>The first sample retrieves all the tables in the body of a document.</a:t>
+              <a:t>The following code demonstrates how to get a reference to all the tables in the body of a document.</a:t>
             </a:r>
           </a:p>
           <a:p>
@@ -3903,10 +3946,7 @@
               <a:buFont typeface="Arial" panose="020B0604020202020204" pitchFamily="34" charset="0"/>
               <a:buChar char="•"/>
             </a:pPr>
-            <a:r>
-              <a:rPr lang="en-US" dirty="0"/>
-              <a:t>The second sample is inserting a 3x3 table with data after a paragraph</a:t>
-            </a:r>
+            <a:endParaRPr lang="en-US" dirty="0"/>
           </a:p>
           <a:p>
             <a:pPr marL="171450" indent="-171450">
@@ -3915,7 +3955,59 @@
             </a:pPr>
             <a:r>
               <a:rPr lang="en-US" dirty="0"/>
-              <a:t>The final two samples show you how to retrieve specific properties of a table such as the </a:t>
+              <a:t>&gt; [!NOTE]</a:t>
+            </a:r>
+          </a:p>
+          <a:p>
+            <a:pPr marL="171450" indent="-171450">
+              <a:buFont typeface="Arial" panose="020B0604020202020204" pitchFamily="34" charset="0"/>
+              <a:buChar char="•"/>
+            </a:pPr>
+            <a:r>
+              <a:rPr lang="en-US" dirty="0"/>
+              <a:t>&gt; While the previous code uses the `body` property on a document, the `tables` collection also exists on ranges as well.</a:t>
+            </a:r>
+          </a:p>
+          <a:p>
+            <a:pPr marL="171450" indent="-171450">
+              <a:buFont typeface="Arial" panose="020B0604020202020204" pitchFamily="34" charset="0"/>
+              <a:buChar char="•"/>
+            </a:pPr>
+            <a:endParaRPr lang="en-US" dirty="0"/>
+          </a:p>
+          <a:p>
+            <a:pPr marL="171450" indent="-171450">
+              <a:buFont typeface="Arial" panose="020B0604020202020204" pitchFamily="34" charset="0"/>
+              <a:buChar char="•"/>
+            </a:pPr>
+            <a:r>
+              <a:rPr lang="en-US" dirty="0"/>
+              <a:t>To add a table with three columns and three rows of data, first create a two dimensional array that contains the content and include it as one of the arguments to the `</a:t>
+            </a:r>
+            <a:r>
+              <a:rPr lang="en-US" dirty="0" err="1"/>
+              <a:t>insertTable</a:t>
+            </a:r>
+            <a:r>
+              <a:rPr lang="en-US" dirty="0"/>
+              <a:t>()` method.</a:t>
+            </a:r>
+          </a:p>
+          <a:p>
+            <a:pPr marL="171450" indent="-171450">
+              <a:buFont typeface="Arial" panose="020B0604020202020204" pitchFamily="34" charset="0"/>
+              <a:buChar char="•"/>
+            </a:pPr>
+            <a:endParaRPr lang="en-US" dirty="0"/>
+          </a:p>
+          <a:p>
+            <a:pPr marL="171450" indent="-171450">
+              <a:buFont typeface="Arial" panose="020B0604020202020204" pitchFamily="34" charset="0"/>
+              <a:buChar char="•"/>
+            </a:pPr>
+            <a:r>
+              <a:rPr lang="en-US" dirty="0"/>
+              <a:t>The table object contains properties to retrieve the number of rows in a table, using the `</a:t>
             </a:r>
             <a:r>
               <a:rPr lang="en-US" dirty="0" err="1"/>
@@ -3923,7 +4015,7 @@
             </a:r>
             <a:r>
               <a:rPr lang="en-US" dirty="0"/>
-              <a:t> and actual table data as a 2D array.</a:t>
+              <a:t>` property, as well as the contents of the table, using the `values` property.</a:t>
             </a:r>
           </a:p>
         </p:txBody>
@@ -4018,7 +4110,7 @@
           <a:p>
             <a:fld id="{D18B56EA-E28F-4F92-9F16-7A6F2501B303}" type="datetime8">
               <a:rPr lang="en-US" smtClean="0"/>
-              <a:t>3/3/20 8:31 PM</a:t>
+              <a:t>3/31/20 11:36 AM</a:t>
             </a:fld>
             <a:endParaRPr lang="en-US" dirty="0"/>
           </a:p>
@@ -4754,7 +4846,7 @@
           <a:p>
             <a:fld id="{D18B56EA-E28F-4F92-9F16-7A6F2501B303}" type="datetime8">
               <a:rPr lang="en-US" smtClean="0"/>
-              <a:t>3/3/20 8:31 PM</a:t>
+              <a:t>3/31/20 7:01 AM</a:t>
             </a:fld>
             <a:endParaRPr lang="en-US" dirty="0"/>
           </a:p>

--- a/OfficeAddin/01 Building Add-ins for Microsoft Word/02 Images HTML and Tables in Word Add-ins.pptx
+++ b/OfficeAddin/01 Building Add-ins for Microsoft Word/02 Images HTML and Tables in Word Add-ins.pptx
@@ -265,7 +265,7 @@
               <a:rPr lang="en-US" smtClean="0">
                 <a:latin typeface="Segoe UI" pitchFamily="34" charset="0"/>
               </a:rPr>
-              <a:t>3/31/20 7:01 AM</a:t>
+              <a:t>6/17/21 3:03 PM</a:t>
             </a:fld>
             <a:endParaRPr lang="en-US" dirty="0">
               <a:latin typeface="Segoe UI" pitchFamily="34" charset="0"/>
@@ -559,7 +559,7 @@
           <a:p>
             <a:fld id="{D18B56EA-E28F-4F92-9F16-7A6F2501B303}" type="datetime8">
               <a:rPr lang="en-US" smtClean="0"/>
-              <a:t>3/31/20 7:01 AM</a:t>
+              <a:t>6/17/21 3:03 PM</a:t>
             </a:fld>
             <a:endParaRPr lang="en-US" dirty="0"/>
           </a:p>
@@ -1047,7 +1047,7 @@
                 <a:tabLst/>
                 <a:defRPr/>
               </a:pPr>
-              <a:t>3/31/20 7:01 AM</a:t>
+              <a:t>6/17/21 3:03 PM</a:t>
             </a:fld>
             <a:endParaRPr kumimoji="0" lang="en-US" sz="1200" b="0" i="0" u="none" strike="noStrike" kern="1200" cap="none" spc="0" normalizeH="0" baseline="0" noProof="0" dirty="0">
               <a:ln>
@@ -1300,7 +1300,7 @@
           <a:p>
             <a:fld id="{D18B56EA-E28F-4F92-9F16-7A6F2501B303}" type="datetime8">
               <a:rPr lang="en-US" smtClean="0"/>
-              <a:t>3/31/20 7:01 AM</a:t>
+              <a:t>6/17/21 3:03 PM</a:t>
             </a:fld>
             <a:endParaRPr lang="en-US" dirty="0"/>
           </a:p>
@@ -1481,7 +1481,7 @@
           <a:p>
             <a:fld id="{D18B56EA-E28F-4F92-9F16-7A6F2501B303}" type="datetime8">
               <a:rPr lang="en-US" smtClean="0"/>
-              <a:t>3/31/20 7:01 AM</a:t>
+              <a:t>6/17/21 3:03 PM</a:t>
             </a:fld>
             <a:endParaRPr lang="en-US" dirty="0"/>
           </a:p>
@@ -1662,7 +1662,7 @@
           <a:p>
             <a:fld id="{D18B56EA-E28F-4F92-9F16-7A6F2501B303}" type="datetime8">
               <a:rPr lang="en-US" smtClean="0"/>
-              <a:t>3/31/20 7:01 AM</a:t>
+              <a:t>6/17/21 3:03 PM</a:t>
             </a:fld>
             <a:endParaRPr lang="en-US" dirty="0"/>
           </a:p>
@@ -1843,7 +1843,7 @@
           <a:p>
             <a:fld id="{D18B56EA-E28F-4F92-9F16-7A6F2501B303}" type="datetime8">
               <a:rPr lang="en-US" smtClean="0"/>
-              <a:t>3/31/20 7:01 AM</a:t>
+              <a:t>6/17/21 3:03 PM</a:t>
             </a:fld>
             <a:endParaRPr lang="en-US" dirty="0"/>
           </a:p>
@@ -2132,7 +2132,7 @@
                 <a:tabLst/>
                 <a:defRPr/>
               </a:pPr>
-              <a:t>3/31/20 10:57 AM</a:t>
+              <a:t>6/17/21 3:03 PM</a:t>
             </a:fld>
             <a:endParaRPr kumimoji="0" lang="en-US" sz="1200" b="0" i="0" u="none" strike="noStrike" kern="1200" cap="none" spc="0" normalizeH="0" baseline="0" noProof="0" dirty="0">
               <a:ln>
@@ -2522,7 +2522,7 @@
                 <a:tabLst/>
                 <a:defRPr/>
               </a:pPr>
-              <a:t>3/31/20 10:59 AM</a:t>
+              <a:t>6/17/21 3:03 PM</a:t>
             </a:fld>
             <a:endParaRPr kumimoji="0" lang="en-US" sz="1200" b="0" i="0" u="none" strike="noStrike" kern="1200" cap="none" spc="0" normalizeH="0" baseline="0" noProof="0" dirty="0">
               <a:ln>
@@ -2807,7 +2807,7 @@
           <a:p>
             <a:fld id="{D18B56EA-E28F-4F92-9F16-7A6F2501B303}" type="datetime8">
               <a:rPr lang="en-US" smtClean="0"/>
-              <a:t>3/31/20 11:01 AM</a:t>
+              <a:t>6/17/21 3:03 PM</a:t>
             </a:fld>
             <a:endParaRPr lang="en-US" dirty="0"/>
           </a:p>
@@ -3133,7 +3133,7 @@
                 <a:tabLst/>
                 <a:defRPr/>
               </a:pPr>
-              <a:t>3/31/20 11:13 AM</a:t>
+              <a:t>6/17/21 3:03 PM</a:t>
             </a:fld>
             <a:endParaRPr kumimoji="0" lang="en-US" sz="1200" b="0" i="0" u="none" strike="noStrike" kern="1200" cap="none" spc="0" normalizeH="0" baseline="0" noProof="0" dirty="0">
               <a:ln>
@@ -3431,7 +3431,7 @@
           <a:p>
             <a:fld id="{D18B56EA-E28F-4F92-9F16-7A6F2501B303}" type="datetime8">
               <a:rPr lang="en-US" smtClean="0"/>
-              <a:t>3/31/20 7:01 AM</a:t>
+              <a:t>6/17/21 3:03 PM</a:t>
             </a:fld>
             <a:endParaRPr lang="en-US" dirty="0"/>
           </a:p>
@@ -3773,7 +3773,7 @@
                 <a:tabLst/>
                 <a:defRPr/>
               </a:pPr>
-              <a:t>3/31/20 11:30 AM</a:t>
+              <a:t>6/17/21 3:03 PM</a:t>
             </a:fld>
             <a:endParaRPr kumimoji="0" lang="en-US" sz="1200" b="0" i="0" u="none" strike="noStrike" kern="1200" cap="none" spc="0" normalizeH="0" baseline="0" noProof="0" dirty="0">
               <a:ln>
@@ -4110,7 +4110,7 @@
           <a:p>
             <a:fld id="{D18B56EA-E28F-4F92-9F16-7A6F2501B303}" type="datetime8">
               <a:rPr lang="en-US" smtClean="0"/>
-              <a:t>3/31/20 11:36 AM</a:t>
+              <a:t>6/17/21 3:03 PM</a:t>
             </a:fld>
             <a:endParaRPr lang="en-US" dirty="0"/>
           </a:p>
@@ -4846,7 +4846,7 @@
           <a:p>
             <a:fld id="{D18B56EA-E28F-4F92-9F16-7A6F2501B303}" type="datetime8">
               <a:rPr lang="en-US" smtClean="0"/>
-              <a:t>3/31/20 7:01 AM</a:t>
+              <a:t>6/17/21 3:03 PM</a:t>
             </a:fld>
             <a:endParaRPr lang="en-US" dirty="0"/>
           </a:p>
@@ -16901,7 +16901,7 @@
         <p:spPr>
           <a:xfrm>
             <a:off x="465139" y="1500487"/>
-            <a:ext cx="5905181" cy="1837426"/>
+            <a:ext cx="5905181" cy="2059025"/>
           </a:xfrm>
           <a:prstGeom prst="rect">
             <a:avLst/>
@@ -17163,7 +17163,45 @@
                 </a:solidFill>
                 <a:latin typeface="+mj-lt"/>
               </a:rPr>
-              <a:t>Many developers will find it easier to interact with a Word document as HTML rather than Open Office XML (OOXML).</a:t>
+              <a:t>Many developers will find it easier to interact with a Word document as HTML rather than Open Office XML </a:t>
+            </a:r>
+            <a:r>
+              <a:rPr lang="en-US" sz="1600" dirty="0">
+                <a:solidFill>
+                  <a:srgbClr val="2F2F2F"/>
+                </a:solidFill>
+                <a:latin typeface="Segoe UI Symbol" panose="020B0502040204020203" pitchFamily="34" charset="0"/>
+                <a:ea typeface="Segoe UI Symbol" panose="020B0502040204020203" pitchFamily="34" charset="0"/>
+              </a:rPr>
+              <a:t>(</a:t>
+            </a:r>
+            <a:r>
+              <a:rPr lang="en-US" sz="1600" dirty="0">
+                <a:solidFill>
+                  <a:srgbClr val="2F2F2F"/>
+                </a:solidFill>
+                <a:latin typeface="+mj-lt"/>
+              </a:rPr>
+              <a:t>OOXML</a:t>
+            </a:r>
+            <a:r>
+              <a:rPr lang="en-US" sz="1600" dirty="0">
+                <a:solidFill>
+                  <a:srgbClr val="2F2F2F"/>
+                </a:solidFill>
+                <a:latin typeface="Segoe UI Symbol" panose="020B0502040204020203" pitchFamily="34" charset="0"/>
+                <a:ea typeface="Segoe UI Symbol" panose="020B0502040204020203" pitchFamily="34" charset="0"/>
+              </a:rPr>
+              <a:t>)</a:t>
+            </a:r>
+            <a:r>
+              <a:rPr lang="en-US" sz="1600" dirty="0">
+                <a:solidFill>
+                  <a:srgbClr val="2F2F2F"/>
+                </a:solidFill>
+                <a:latin typeface="+mj-lt"/>
+              </a:rPr>
+              <a:t>.</a:t>
             </a:r>
           </a:p>
           <a:p>
@@ -17215,27 +17253,49 @@
                 <a:solidFill>
                   <a:srgbClr val="2F2F2F"/>
                 </a:solidFill>
+                <a:latin typeface="Courier New" panose="02070309020205020404" pitchFamily="49" charset="0"/>
+                <a:cs typeface="Courier New" panose="02070309020205020404" pitchFamily="49" charset="0"/>
+              </a:rPr>
+              <a:t>getHtml</a:t>
+            </a:r>
+            <a:r>
+              <a:rPr lang="en-US" sz="1600" dirty="0">
+                <a:solidFill>
+                  <a:srgbClr val="2F2F2F"/>
+                </a:solidFill>
+                <a:latin typeface="Courier New" panose="02070309020205020404" pitchFamily="49" charset="0"/>
+                <a:cs typeface="Courier New" panose="02070309020205020404" pitchFamily="49" charset="0"/>
+              </a:rPr>
+              <a:t>()</a:t>
+            </a:r>
+            <a:r>
+              <a:rPr lang="en-US" sz="1600" dirty="0">
+                <a:solidFill>
+                  <a:srgbClr val="2F2F2F"/>
+                </a:solidFill>
                 <a:latin typeface="Segoe UI Semibold"/>
               </a:rPr>
-              <a:t>getHtml</a:t>
+              <a:t> and </a:t>
+            </a:r>
+            <a:r>
+              <a:rPr lang="en-US" sz="1600" dirty="0" err="1">
+                <a:solidFill>
+                  <a:srgbClr val="2F2F2F"/>
+                </a:solidFill>
+                <a:latin typeface="Courier New" panose="02070309020205020404" pitchFamily="49" charset="0"/>
+                <a:cs typeface="Courier New" panose="02070309020205020404" pitchFamily="49" charset="0"/>
+              </a:rPr>
+              <a:t>insertHtml</a:t>
             </a:r>
             <a:r>
               <a:rPr lang="en-US" sz="1600" dirty="0">
                 <a:solidFill>
                   <a:srgbClr val="2F2F2F"/>
                 </a:solidFill>
-                <a:latin typeface="Segoe UI Semibold"/>
-              </a:rPr>
-              <a:t> and </a:t>
-            </a:r>
-            <a:r>
-              <a:rPr lang="en-US" sz="1600" dirty="0" err="1">
-                <a:solidFill>
-                  <a:srgbClr val="2F2F2F"/>
-                </a:solidFill>
-                <a:latin typeface="Segoe UI Semibold"/>
-              </a:rPr>
-              <a:t>insertHtml</a:t>
+                <a:latin typeface="Courier New" panose="02070309020205020404" pitchFamily="49" charset="0"/>
+                <a:cs typeface="Courier New" panose="02070309020205020404" pitchFamily="49" charset="0"/>
+              </a:rPr>
+              <a:t>()</a:t>
             </a:r>
             <a:r>
               <a:rPr lang="en-US" sz="1600" dirty="0">
@@ -17784,7 +17844,7 @@
         <p:spPr>
           <a:xfrm>
             <a:off x="465139" y="1500487"/>
-            <a:ext cx="5905181" cy="2059025"/>
+            <a:ext cx="5905181" cy="2280624"/>
           </a:xfrm>
           <a:prstGeom prst="rect">
             <a:avLst/>
@@ -18090,7 +18150,8 @@
                 <a:solidFill>
                   <a:srgbClr val="2F2F2F"/>
                 </a:solidFill>
-                <a:latin typeface="+mj-lt"/>
+                <a:latin typeface="Courier New" panose="02070309020205020404" pitchFamily="49" charset="0"/>
+                <a:cs typeface="Courier New" panose="02070309020205020404" pitchFamily="49" charset="0"/>
               </a:rPr>
               <a:t>inlinePictures</a:t>
             </a:r>
@@ -18136,7 +18197,8 @@
                 <a:solidFill>
                   <a:srgbClr val="2F2F2F"/>
                 </a:solidFill>
-                <a:latin typeface="+mj-lt"/>
+                <a:latin typeface="Courier New" panose="02070309020205020404" pitchFamily="49" charset="0"/>
+                <a:cs typeface="Courier New" panose="02070309020205020404" pitchFamily="49" charset="0"/>
               </a:rPr>
               <a:t>lockAspectRatio</a:t>
             </a:r>
@@ -19249,7 +19311,8 @@
                 <a:solidFill>
                   <a:srgbClr val="2F2F2F"/>
                 </a:solidFill>
-                <a:latin typeface="+mj-lt"/>
+                <a:latin typeface="Courier New" panose="02070309020205020404" pitchFamily="49" charset="0"/>
+                <a:cs typeface="Courier New" panose="02070309020205020404" pitchFamily="49" charset="0"/>
               </a:rPr>
               <a:t>insertTable</a:t>
             </a:r>
@@ -19298,25 +19361,55 @@
                 </a:solidFill>
                 <a:latin typeface="+mj-lt"/>
               </a:rPr>
-              <a:t>It is important to note that tables can be inserted relative to a paragraph, but a table does not exist within a paragraph (this is different from an </a:t>
+              <a:t>It is important to note that tables can be inserted relative to a paragraph, but a table does not exist within a paragraph </a:t>
+            </a:r>
+            <a:r>
+              <a:rPr lang="en-US" sz="1600" dirty="0">
+                <a:solidFill>
+                  <a:srgbClr val="2F2F2F"/>
+                </a:solidFill>
+                <a:latin typeface="Courier New" panose="02070309020205020404" pitchFamily="49" charset="0"/>
+                <a:cs typeface="Courier New" panose="02070309020205020404" pitchFamily="49" charset="0"/>
+              </a:rPr>
+              <a:t>(</a:t>
+            </a:r>
+            <a:r>
+              <a:rPr lang="en-US" sz="1600" dirty="0">
+                <a:solidFill>
+                  <a:srgbClr val="2F2F2F"/>
+                </a:solidFill>
+                <a:latin typeface="+mj-lt"/>
+              </a:rPr>
+              <a:t>this is different from an </a:t>
             </a:r>
             <a:r>
               <a:rPr lang="en-US" sz="1600" dirty="0" err="1">
                 <a:solidFill>
                   <a:srgbClr val="2F2F2F"/>
                 </a:solidFill>
+                <a:latin typeface="Courier New" panose="02070309020205020404" pitchFamily="49" charset="0"/>
+                <a:cs typeface="Courier New" panose="02070309020205020404" pitchFamily="49" charset="0"/>
+              </a:rPr>
+              <a:t>inlinePicture</a:t>
+            </a:r>
+            <a:r>
+              <a:rPr lang="en-US" sz="1600" dirty="0">
+                <a:solidFill>
+                  <a:srgbClr val="2F2F2F"/>
+                </a:solidFill>
+                <a:latin typeface="Courier New" panose="02070309020205020404" pitchFamily="49" charset="0"/>
+                <a:cs typeface="Courier New" panose="02070309020205020404" pitchFamily="49" charset="0"/>
+              </a:rPr>
+              <a:t>)</a:t>
+            </a:r>
+            <a:r>
+              <a:rPr lang="en-US" sz="1600" dirty="0">
+                <a:solidFill>
+                  <a:srgbClr val="2F2F2F"/>
+                </a:solidFill>
                 <a:latin typeface="+mj-lt"/>
               </a:rPr>
-              <a:t>inlinePicture</a:t>
-            </a:r>
-            <a:r>
-              <a:rPr lang="en-US" sz="1600" dirty="0">
-                <a:solidFill>
-                  <a:srgbClr val="2F2F2F"/>
-                </a:solidFill>
-                <a:latin typeface="+mj-lt"/>
-              </a:rPr>
-              <a:t>).</a:t>
+              <a:t>.</a:t>
             </a:r>
             <a:endParaRPr lang="en-US" sz="1600" dirty="0">
               <a:solidFill>
